--- a/Cyber Security Data Science Eğitimi Makine Öğrenmesi Bölümü Bitirme Projesi/Malicious URL Slayt.pptx
+++ b/Cyber Security Data Science Eğitimi Makine Öğrenmesi Bölümü Bitirme Projesi/Malicious URL Slayt.pptx
@@ -8042,7 +8042,7 @@
             </a:pPr>
             <a:r>
               <a:rPr lang="en"/>
-              <a:t>Problemin tanımı</a:t>
+              <a:t>Çözüm Yöntemi</a:t>
             </a:r>
             <a:endParaRPr/>
           </a:p>
@@ -8084,7 +8084,7 @@
         </p:nvSpPr>
         <p:spPr>
           <a:xfrm>
-            <a:off x="311700" y="1382825"/>
+            <a:off x="311700" y="1246025"/>
             <a:ext cx="4914000" cy="3337200"/>
           </a:xfrm>
           <a:prstGeom prst="rect">
